--- a/content/practice/abfu-design/files/Presentation_template.pptx
+++ b/content/practice/abfu-design/files/Presentation_template.pptx
@@ -263,7 +263,7 @@
           <a:p>
             <a:fld id="{ECD15D6F-A451-3B42-A352-FCA01BA08BC2}" type="datetimeFigureOut">
               <a:rPr lang="en-GB" smtClean="0"/>
-              <a:t>20/10/2020</a:t>
+              <a:t>22/03/2021</a:t>
             </a:fld>
             <a:endParaRPr lang="en-GB"/>
           </a:p>
@@ -461,7 +461,7 @@
           <a:p>
             <a:fld id="{ECD15D6F-A451-3B42-A352-FCA01BA08BC2}" type="datetimeFigureOut">
               <a:rPr lang="en-GB" smtClean="0"/>
-              <a:t>20/10/2020</a:t>
+              <a:t>22/03/2021</a:t>
             </a:fld>
             <a:endParaRPr lang="en-GB"/>
           </a:p>
@@ -669,7 +669,7 @@
           <a:p>
             <a:fld id="{ECD15D6F-A451-3B42-A352-FCA01BA08BC2}" type="datetimeFigureOut">
               <a:rPr lang="en-GB" smtClean="0"/>
-              <a:t>20/10/2020</a:t>
+              <a:t>22/03/2021</a:t>
             </a:fld>
             <a:endParaRPr lang="en-GB"/>
           </a:p>
@@ -867,7 +867,7 @@
           <a:p>
             <a:fld id="{ECD15D6F-A451-3B42-A352-FCA01BA08BC2}" type="datetimeFigureOut">
               <a:rPr lang="en-GB" smtClean="0"/>
-              <a:t>20/10/2020</a:t>
+              <a:t>22/03/2021</a:t>
             </a:fld>
             <a:endParaRPr lang="en-GB"/>
           </a:p>
@@ -1142,7 +1142,7 @@
           <a:p>
             <a:fld id="{ECD15D6F-A451-3B42-A352-FCA01BA08BC2}" type="datetimeFigureOut">
               <a:rPr lang="en-GB" smtClean="0"/>
-              <a:t>20/10/2020</a:t>
+              <a:t>22/03/2021</a:t>
             </a:fld>
             <a:endParaRPr lang="en-GB"/>
           </a:p>
@@ -1407,7 +1407,7 @@
           <a:p>
             <a:fld id="{ECD15D6F-A451-3B42-A352-FCA01BA08BC2}" type="datetimeFigureOut">
               <a:rPr lang="en-GB" smtClean="0"/>
-              <a:t>20/10/2020</a:t>
+              <a:t>22/03/2021</a:t>
             </a:fld>
             <a:endParaRPr lang="en-GB"/>
           </a:p>
@@ -1819,7 +1819,7 @@
           <a:p>
             <a:fld id="{ECD15D6F-A451-3B42-A352-FCA01BA08BC2}" type="datetimeFigureOut">
               <a:rPr lang="en-GB" smtClean="0"/>
-              <a:t>20/10/2020</a:t>
+              <a:t>22/03/2021</a:t>
             </a:fld>
             <a:endParaRPr lang="en-GB"/>
           </a:p>
@@ -1960,7 +1960,7 @@
           <a:p>
             <a:fld id="{ECD15D6F-A451-3B42-A352-FCA01BA08BC2}" type="datetimeFigureOut">
               <a:rPr lang="en-GB" smtClean="0"/>
-              <a:t>20/10/2020</a:t>
+              <a:t>22/03/2021</a:t>
             </a:fld>
             <a:endParaRPr lang="en-GB"/>
           </a:p>
@@ -2073,7 +2073,7 @@
           <a:p>
             <a:fld id="{ECD15D6F-A451-3B42-A352-FCA01BA08BC2}" type="datetimeFigureOut">
               <a:rPr lang="en-GB" smtClean="0"/>
-              <a:t>20/10/2020</a:t>
+              <a:t>22/03/2021</a:t>
             </a:fld>
             <a:endParaRPr lang="en-GB"/>
           </a:p>
@@ -2384,7 +2384,7 @@
           <a:p>
             <a:fld id="{ECD15D6F-A451-3B42-A352-FCA01BA08BC2}" type="datetimeFigureOut">
               <a:rPr lang="en-GB" smtClean="0"/>
-              <a:t>20/10/2020</a:t>
+              <a:t>22/03/2021</a:t>
             </a:fld>
             <a:endParaRPr lang="en-GB"/>
           </a:p>
@@ -2672,7 +2672,7 @@
           <a:p>
             <a:fld id="{ECD15D6F-A451-3B42-A352-FCA01BA08BC2}" type="datetimeFigureOut">
               <a:rPr lang="en-GB" smtClean="0"/>
-              <a:t>20/10/2020</a:t>
+              <a:t>22/03/2021</a:t>
             </a:fld>
             <a:endParaRPr lang="en-GB"/>
           </a:p>
@@ -2913,7 +2913,7 @@
           <a:p>
             <a:fld id="{ECD15D6F-A451-3B42-A352-FCA01BA08BC2}" type="datetimeFigureOut">
               <a:rPr lang="en-GB" smtClean="0"/>
-              <a:t>20/10/2020</a:t>
+              <a:t>22/03/2021</a:t>
             </a:fld>
             <a:endParaRPr lang="en-GB"/>
           </a:p>
@@ -3566,13 +3566,13 @@
             <p:ph idx="1"/>
             <p:extLst>
               <p:ext uri="{D42A27DB-BD31-4B8C-83A1-F6EECF244321}">
-                <p14:modId xmlns:p14="http://schemas.microsoft.com/office/powerpoint/2010/main" val="1260121868"/>
+                <p14:modId xmlns:p14="http://schemas.microsoft.com/office/powerpoint/2010/main" val="222533415"/>
               </p:ext>
             </p:extLst>
           </p:nvPr>
         </p:nvGraphicFramePr>
         <p:xfrm>
-          <a:off x="372533" y="1877827"/>
+          <a:off x="372533" y="1730968"/>
           <a:ext cx="11514667" cy="3396064"/>
         </p:xfrm>
         <a:graphic>
@@ -3749,6 +3749,36 @@
                     <a:bodyPr/>
                     <a:lstStyle/>
                     <a:p>
+                      <a:pPr marL="0" marR="0" lvl="0" indent="0" algn="ctr" defTabSz="914400" rtl="0" eaLnBrk="1" fontAlgn="auto" latinLnBrk="0" hangingPunct="1">
+                        <a:lnSpc>
+                          <a:spcPct val="100000"/>
+                        </a:lnSpc>
+                        <a:spcBef>
+                          <a:spcPts val="0"/>
+                        </a:spcBef>
+                        <a:spcAft>
+                          <a:spcPts val="0"/>
+                        </a:spcAft>
+                        <a:buClrTx/>
+                        <a:buSzTx/>
+                        <a:buFontTx/>
+                        <a:buNone/>
+                        <a:tabLst/>
+                        <a:defRPr/>
+                      </a:pPr>
+                      <a:r>
+                        <a:rPr lang="en-GB" sz="1800" dirty="0">
+                          <a:effectLst/>
+                        </a:rPr>
+                        <a:t>Baseline (A) vs. Follow-up (FU )</a:t>
+                      </a:r>
+                      <a:endParaRPr lang="en-GB" sz="1800" dirty="0">
+                        <a:effectLst/>
+                        <a:latin typeface="Calibri" panose="020F0502020204030204" pitchFamily="34" charset="0"/>
+                        <a:cs typeface="Times New Roman" panose="02020603050405020304" pitchFamily="18" charset="0"/>
+                      </a:endParaRPr>
+                    </a:p>
+                    <a:p>
                       <a:pPr marL="0" marR="0" lvl="0" indent="0" algn="l" defTabSz="914400" rtl="0" eaLnBrk="1" fontAlgn="auto" latinLnBrk="0" hangingPunct="1">
                         <a:lnSpc>
                           <a:spcPct val="100000"/>
@@ -3779,6 +3809,116 @@
                         <a:t>Delete or use columns for other phase comparisons depending on design</a:t>
                       </a:r>
                     </a:p>
+                  </a:txBody>
+                  <a:tcPr marL="68580" marR="68580" marT="0" marB="0"/>
+                </a:tc>
+                <a:tc hMerge="1">
+                  <a:txBody>
+                    <a:bodyPr/>
+                    <a:lstStyle/>
+                    <a:p>
+                      <a:endParaRPr lang="en-GB" dirty="0"/>
+                    </a:p>
+                  </a:txBody>
+                  <a:tcPr marL="68580" marR="68580" marT="0" marB="0"/>
+                </a:tc>
+                <a:tc hMerge="1">
+                  <a:txBody>
+                    <a:bodyPr/>
+                    <a:lstStyle/>
+                    <a:p>
+                      <a:endParaRPr lang="en-GB" dirty="0"/>
+                    </a:p>
+                  </a:txBody>
+                  <a:tcPr marL="68580" marR="68580" marT="0" marB="0"/>
+                </a:tc>
+                <a:tc hMerge="1">
+                  <a:txBody>
+                    <a:bodyPr/>
+                    <a:lstStyle/>
+                    <a:p>
+                      <a:endParaRPr lang="en-GB" dirty="0"/>
+                    </a:p>
+                  </a:txBody>
+                  <a:tcPr marL="68580" marR="68580" marT="0" marB="0"/>
+                </a:tc>
+                <a:extLst>
+                  <a:ext uri="{0D108BD9-81ED-4DB2-BD59-A6C34878D82A}">
+                    <a16:rowId xmlns:a16="http://schemas.microsoft.com/office/drawing/2014/main" val="3843615547"/>
+                  </a:ext>
+                </a:extLst>
+              </a:tr>
+              <a:tr h="771838">
+                <a:tc>
+                  <a:txBody>
+                    <a:bodyPr/>
+                    <a:lstStyle/>
+                    <a:p>
+                      <a:pPr algn="l">
+                        <a:spcAft>
+                          <a:spcPts val="600"/>
+                        </a:spcAft>
+                      </a:pPr>
+                      <a:r>
+                        <a:rPr lang="en-GB" sz="1800" dirty="0">
+                          <a:effectLst/>
+                        </a:rPr>
+                        <a:t>Idiographic measure</a:t>
+                      </a:r>
+                      <a:endParaRPr lang="en-GB" sz="1800" dirty="0">
+                        <a:effectLst/>
+                        <a:latin typeface="Calibri" panose="020F0502020204030204" pitchFamily="34" charset="0"/>
+                        <a:ea typeface="Calibri" panose="020F0502020204030204" pitchFamily="34" charset="0"/>
+                        <a:cs typeface="Times New Roman" panose="02020603050405020304" pitchFamily="18" charset="0"/>
+                      </a:endParaRPr>
+                    </a:p>
+                  </a:txBody>
+                  <a:tcPr marL="68580" marR="68580" marT="0" marB="0"/>
+                </a:tc>
+                <a:tc>
+                  <a:txBody>
+                    <a:bodyPr/>
+                    <a:lstStyle/>
+                    <a:p>
+                      <a:pPr algn="ctr">
+                        <a:spcAft>
+                          <a:spcPts val="600"/>
+                        </a:spcAft>
+                      </a:pPr>
+                      <a:r>
+                        <a:rPr lang="en-GB" sz="1800" b="1" dirty="0">
+                          <a:effectLst/>
+                        </a:rPr>
+                        <a:t>Baseline trend (</a:t>
+                      </a:r>
+                      <a:r>
+                        <a:rPr lang="en-GB" sz="1800" b="1" baseline="30000" dirty="0">
+                          <a:effectLst/>
+                          <a:sym typeface="Symbol" pitchFamily="2" charset="2"/>
+                        </a:rPr>
+                        <a:t> A trend</a:t>
+                      </a:r>
+                      <a:r>
+                        <a:rPr lang="en-GB" sz="1800" b="1" dirty="0">
+                          <a:effectLst/>
+                          <a:sym typeface="Symbol" pitchFamily="2" charset="2"/>
+                        </a:rPr>
+                        <a:t>)</a:t>
+                      </a:r>
+                      <a:endParaRPr lang="en-GB" sz="1800" b="1" dirty="0">
+                        <a:effectLst/>
+                        <a:latin typeface="Calibri" panose="020F0502020204030204" pitchFamily="34" charset="0"/>
+                        <a:ea typeface="Calibri" panose="020F0502020204030204" pitchFamily="34" charset="0"/>
+                        <a:cs typeface="Times New Roman" panose="02020603050405020304" pitchFamily="18" charset="0"/>
+                      </a:endParaRPr>
+                    </a:p>
+                  </a:txBody>
+                  <a:tcPr marL="68580" marR="68580" marT="0" marB="0"/>
+                </a:tc>
+                <a:tc>
+                  <a:txBody>
+                    <a:bodyPr/>
+                    <a:lstStyle/>
                     <a:p>
                       <a:pPr marL="0" marR="0" lvl="0" indent="0" algn="l" defTabSz="914400" rtl="0" eaLnBrk="1" fontAlgn="auto" latinLnBrk="0" hangingPunct="1">
                         <a:lnSpc>
@@ -3788,7 +3928,7 @@
                           <a:spcPts val="0"/>
                         </a:spcBef>
                         <a:spcAft>
-                          <a:spcPts val="0"/>
+                          <a:spcPts val="600"/>
                         </a:spcAft>
                         <a:buClrTx/>
                         <a:buSzTx/>
@@ -3798,79 +3938,125 @@
                         <a:defRPr/>
                       </a:pPr>
                       <a:r>
-                        <a:rPr lang="en-GB" sz="1800" dirty="0">
-                          <a:effectLst/>
-                        </a:rPr>
-                        <a:t>A vs. FU / A2 vs. B2 / B1 vs. A2/ A vs. C / B vs. C etc. </a:t>
-                      </a:r>
-                      <a:endParaRPr lang="en-GB" sz="1800" dirty="0">
-                        <a:effectLst/>
-                        <a:latin typeface="Calibri" panose="020F0502020204030204" pitchFamily="34" charset="0"/>
-                        <a:cs typeface="Times New Roman" panose="02020603050405020304" pitchFamily="18" charset="0"/>
-                      </a:endParaRPr>
-                    </a:p>
-                  </a:txBody>
-                  <a:tcPr marL="68580" marR="68580" marT="0" marB="0"/>
-                </a:tc>
-                <a:tc hMerge="1">
-                  <a:txBody>
-                    <a:bodyPr/>
-                    <a:lstStyle/>
-                    <a:p>
-                      <a:endParaRPr lang="en-GB" dirty="0"/>
-                    </a:p>
-                  </a:txBody>
-                  <a:tcPr marL="68580" marR="68580" marT="0" marB="0"/>
-                </a:tc>
-                <a:tc hMerge="1">
-                  <a:txBody>
-                    <a:bodyPr/>
-                    <a:lstStyle/>
-                    <a:p>
-                      <a:endParaRPr lang="en-GB" dirty="0"/>
-                    </a:p>
-                  </a:txBody>
-                  <a:tcPr marL="68580" marR="68580" marT="0" marB="0"/>
-                </a:tc>
-                <a:tc hMerge="1">
-                  <a:txBody>
-                    <a:bodyPr/>
-                    <a:lstStyle/>
-                    <a:p>
-                      <a:endParaRPr lang="en-GB" dirty="0"/>
-                    </a:p>
-                  </a:txBody>
-                  <a:tcPr marL="68580" marR="68580" marT="0" marB="0"/>
-                </a:tc>
-                <a:extLst>
-                  <a:ext uri="{0D108BD9-81ED-4DB2-BD59-A6C34878D82A}">
-                    <a16:rowId xmlns:a16="http://schemas.microsoft.com/office/drawing/2014/main" val="3843615547"/>
-                  </a:ext>
-                </a:extLst>
-              </a:tr>
-              <a:tr h="771838">
-                <a:tc>
-                  <a:txBody>
-                    <a:bodyPr/>
-                    <a:lstStyle/>
-                    <a:p>
-                      <a:pPr algn="l">
-                        <a:spcAft>
-                          <a:spcPts val="600"/>
-                        </a:spcAft>
-                      </a:pPr>
-                      <a:r>
-                        <a:rPr lang="en-GB" sz="1800" dirty="0">
-                          <a:effectLst/>
-                        </a:rPr>
-                        <a:t>Idiographic measure</a:t>
-                      </a:r>
-                      <a:endParaRPr lang="en-GB" sz="1800" dirty="0">
-                        <a:effectLst/>
-                        <a:latin typeface="Calibri" panose="020F0502020204030204" pitchFamily="34" charset="0"/>
-                        <a:ea typeface="Calibri" panose="020F0502020204030204" pitchFamily="34" charset="0"/>
-                        <a:cs typeface="Times New Roman" panose="02020603050405020304" pitchFamily="18" charset="0"/>
-                      </a:endParaRPr>
+                        <a:rPr lang="en-GB" sz="1800" b="1" dirty="0">
+                          <a:effectLst/>
+                        </a:rPr>
+                        <a:t>Tau (</a:t>
+                      </a:r>
+                      <a:r>
+                        <a:rPr lang="en-GB" sz="1800" b="1" dirty="0">
+                          <a:effectLst/>
+                          <a:sym typeface="Symbol" pitchFamily="2" charset="2"/>
+                        </a:rPr>
+                        <a:t></a:t>
+                      </a:r>
+                      <a:r>
+                        <a:rPr lang="en-GB" sz="1800" b="1" baseline="30000" dirty="0" err="1">
+                          <a:effectLst/>
+                        </a:rPr>
+                        <a:t>AvsB</a:t>
+                      </a:r>
+                      <a:r>
+                        <a:rPr lang="en-GB" sz="1800" b="1" baseline="0" dirty="0">
+                          <a:effectLst/>
+                        </a:rPr>
+                        <a:t>) / Tau-U (</a:t>
+                      </a:r>
+                      <a:r>
+                        <a:rPr lang="en-GB" sz="1800" b="1" dirty="0">
+                          <a:effectLst/>
+                          <a:sym typeface="Symbol" pitchFamily="2" charset="2"/>
+                        </a:rPr>
+                        <a:t></a:t>
+                      </a:r>
+                      <a:r>
+                        <a:rPr lang="en-GB" sz="1800" b="1" baseline="30000" dirty="0" err="1">
+                          <a:effectLst/>
+                        </a:rPr>
+                        <a:t>AvsB</a:t>
+                      </a:r>
+                      <a:r>
+                        <a:rPr lang="en-GB" sz="1800" b="1" baseline="30000" dirty="0">
+                          <a:effectLst/>
+                        </a:rPr>
+                        <a:t> – A trend</a:t>
+                      </a:r>
+                      <a:r>
+                        <a:rPr lang="en-GB" sz="1800" b="1" baseline="0" dirty="0">
+                          <a:effectLst/>
+                        </a:rPr>
+                        <a:t>) </a:t>
+                      </a:r>
+                      <a:endParaRPr lang="en-GB" sz="1800" b="1" dirty="0">
+                        <a:effectLst/>
+                        <a:latin typeface="Calibri" panose="020F0502020204030204" pitchFamily="34" charset="0"/>
+                        <a:ea typeface="Calibri" panose="020F0502020204030204" pitchFamily="34" charset="0"/>
+                        <a:cs typeface="Times New Roman" panose="02020603050405020304" pitchFamily="18" charset="0"/>
+                      </a:endParaRPr>
+                    </a:p>
+                  </a:txBody>
+                  <a:tcPr marL="68580" marR="68580" marT="0" marB="0"/>
+                </a:tc>
+                <a:tc>
+                  <a:txBody>
+                    <a:bodyPr/>
+                    <a:lstStyle/>
+                    <a:p>
+                      <a:pPr algn="ctr">
+                        <a:spcAft>
+                          <a:spcPts val="600"/>
+                        </a:spcAft>
+                      </a:pPr>
+                      <a:r>
+                        <a:rPr lang="en-GB" sz="1200" b="1" dirty="0">
+                          <a:solidFill>
+                            <a:srgbClr val="FFFF00"/>
+                          </a:solidFill>
+                          <a:effectLst/>
+                          <a:latin typeface="Calibri" panose="020F0502020204030204" pitchFamily="34" charset="0"/>
+                          <a:ea typeface="Calibri" panose="020F0502020204030204" pitchFamily="34" charset="0"/>
+                          <a:cs typeface="Times New Roman" panose="02020603050405020304" pitchFamily="18" charset="0"/>
+                        </a:rPr>
+                        <a:t>PEM/PND/PAND/NAP/IRD</a:t>
+                      </a:r>
+                    </a:p>
+                  </a:txBody>
+                  <a:tcPr marL="68580" marR="68580" marT="0" marB="0"/>
+                </a:tc>
+                <a:tc>
+                  <a:txBody>
+                    <a:bodyPr/>
+                    <a:lstStyle/>
+                    <a:p>
+                      <a:pPr marL="0" marR="0" lvl="0" indent="0" algn="ctr" defTabSz="914400" rtl="0" eaLnBrk="1" fontAlgn="auto" latinLnBrk="0" hangingPunct="1">
+                        <a:lnSpc>
+                          <a:spcPct val="100000"/>
+                        </a:lnSpc>
+                        <a:spcBef>
+                          <a:spcPts val="0"/>
+                        </a:spcBef>
+                        <a:spcAft>
+                          <a:spcPts val="600"/>
+                        </a:spcAft>
+                        <a:buClrTx/>
+                        <a:buSzTx/>
+                        <a:buFontTx/>
+                        <a:buNone/>
+                        <a:tabLst/>
+                        <a:defRPr/>
+                      </a:pPr>
+                      <a:r>
+                        <a:rPr lang="en-GB" sz="1200" b="1" dirty="0">
+                          <a:solidFill>
+                            <a:srgbClr val="FFFF00"/>
+                          </a:solidFill>
+                          <a:effectLst/>
+                          <a:latin typeface="Calibri" panose="020F0502020204030204" pitchFamily="34" charset="0"/>
+                          <a:ea typeface="Calibri" panose="020F0502020204030204" pitchFamily="34" charset="0"/>
+                          <a:cs typeface="Times New Roman" panose="02020603050405020304" pitchFamily="18" charset="0"/>
+                        </a:rPr>
+                        <a:t>PEM/PND/PAND/NAP/IRD</a:t>
+                      </a:r>
                     </a:p>
                   </a:txBody>
                   <a:tcPr marL="68580" marR="68580" marT="0" marB="0"/>
@@ -4057,86 +4243,6 @@
                         </a:rPr>
                         <a:t>PEM/PND/PAND/NAP/IRD</a:t>
                       </a:r>
-                    </a:p>
-                  </a:txBody>
-                  <a:tcPr marL="68580" marR="68580" marT="0" marB="0"/>
-                </a:tc>
-                <a:tc>
-                  <a:txBody>
-                    <a:bodyPr/>
-                    <a:lstStyle/>
-                    <a:p>
-                      <a:pPr algn="ctr">
-                        <a:spcAft>
-                          <a:spcPts val="600"/>
-                        </a:spcAft>
-                      </a:pPr>
-                      <a:endParaRPr lang="en-GB" sz="1800" b="1" dirty="0">
-                        <a:effectLst/>
-                        <a:latin typeface="Calibri" panose="020F0502020204030204" pitchFamily="34" charset="0"/>
-                        <a:ea typeface="Calibri" panose="020F0502020204030204" pitchFamily="34" charset="0"/>
-                        <a:cs typeface="Times New Roman" panose="02020603050405020304" pitchFamily="18" charset="0"/>
-                      </a:endParaRPr>
-                    </a:p>
-                  </a:txBody>
-                  <a:tcPr marL="68580" marR="68580" marT="0" marB="0"/>
-                </a:tc>
-                <a:tc>
-                  <a:txBody>
-                    <a:bodyPr/>
-                    <a:lstStyle/>
-                    <a:p>
-                      <a:pPr algn="ctr">
-                        <a:spcAft>
-                          <a:spcPts val="600"/>
-                        </a:spcAft>
-                      </a:pPr>
-                      <a:endParaRPr lang="en-GB" sz="1800" b="1" dirty="0">
-                        <a:effectLst/>
-                        <a:latin typeface="Calibri" panose="020F0502020204030204" pitchFamily="34" charset="0"/>
-                        <a:ea typeface="Calibri" panose="020F0502020204030204" pitchFamily="34" charset="0"/>
-                        <a:cs typeface="Times New Roman" panose="02020603050405020304" pitchFamily="18" charset="0"/>
-                      </a:endParaRPr>
-                    </a:p>
-                  </a:txBody>
-                  <a:tcPr marL="68580" marR="68580" marT="0" marB="0"/>
-                </a:tc>
-                <a:tc>
-                  <a:txBody>
-                    <a:bodyPr/>
-                    <a:lstStyle/>
-                    <a:p>
-                      <a:pPr algn="ctr">
-                        <a:spcAft>
-                          <a:spcPts val="600"/>
-                        </a:spcAft>
-                      </a:pPr>
-                      <a:endParaRPr lang="en-GB" sz="1800" b="1" dirty="0">
-                        <a:effectLst/>
-                        <a:latin typeface="Calibri" panose="020F0502020204030204" pitchFamily="34" charset="0"/>
-                        <a:ea typeface="Calibri" panose="020F0502020204030204" pitchFamily="34" charset="0"/>
-                        <a:cs typeface="Times New Roman" panose="02020603050405020304" pitchFamily="18" charset="0"/>
-                      </a:endParaRPr>
-                    </a:p>
-                  </a:txBody>
-                  <a:tcPr marL="68580" marR="68580" marT="0" marB="0"/>
-                </a:tc>
-                <a:tc>
-                  <a:txBody>
-                    <a:bodyPr/>
-                    <a:lstStyle/>
-                    <a:p>
-                      <a:pPr algn="ctr">
-                        <a:spcAft>
-                          <a:spcPts val="600"/>
-                        </a:spcAft>
-                      </a:pPr>
-                      <a:endParaRPr lang="en-GB" sz="1800" b="1" dirty="0">
-                        <a:effectLst/>
-                        <a:latin typeface="Calibri" panose="020F0502020204030204" pitchFamily="34" charset="0"/>
-                        <a:ea typeface="Calibri" panose="020F0502020204030204" pitchFamily="34" charset="0"/>
-                        <a:cs typeface="Times New Roman" panose="02020603050405020304" pitchFamily="18" charset="0"/>
-                      </a:endParaRPr>
                     </a:p>
                   </a:txBody>
                   <a:tcPr marL="68580" marR="68580" marT="0" marB="0"/>
@@ -5174,14 +5280,14 @@
             <p:ph idx="1"/>
             <p:extLst>
               <p:ext uri="{D42A27DB-BD31-4B8C-83A1-F6EECF244321}">
-                <p14:modId xmlns:p14="http://schemas.microsoft.com/office/powerpoint/2010/main" val="1839540551"/>
+                <p14:modId xmlns:p14="http://schemas.microsoft.com/office/powerpoint/2010/main" val="2629079466"/>
               </p:ext>
             </p:extLst>
           </p:nvPr>
         </p:nvGraphicFramePr>
         <p:xfrm>
           <a:off x="633245" y="1840459"/>
-          <a:ext cx="10386850" cy="4260798"/>
+          <a:ext cx="10612825" cy="4260798"/>
         </p:xfrm>
         <a:graphic>
           <a:graphicData uri="http://schemas.openxmlformats.org/drawingml/2006/table">
@@ -5190,41 +5296,34 @@
                 <a:tableStyleId>{5C22544A-7EE6-4342-B048-85BDC9FD1C3A}</a:tableStyleId>
               </a:tblPr>
               <a:tblGrid>
-                <a:gridCol w="1997205">
+                <a:gridCol w="2814148">
                   <a:extLst>
                     <a:ext uri="{9D8B030D-6E8A-4147-A177-3AD203B41FA5}">
                       <a16:colId xmlns:a16="http://schemas.microsoft.com/office/drawing/2014/main" val="3037072895"/>
                     </a:ext>
                   </a:extLst>
                 </a:gridCol>
-                <a:gridCol w="1971568">
+                <a:gridCol w="2599559">
                   <a:extLst>
                     <a:ext uri="{9D8B030D-6E8A-4147-A177-3AD203B41FA5}">
                       <a16:colId xmlns:a16="http://schemas.microsoft.com/office/drawing/2014/main" val="243048541"/>
                     </a:ext>
                   </a:extLst>
                 </a:gridCol>
-                <a:gridCol w="2139359">
+                <a:gridCol w="2599559">
                   <a:extLst>
                     <a:ext uri="{9D8B030D-6E8A-4147-A177-3AD203B41FA5}">
                       <a16:colId xmlns:a16="http://schemas.microsoft.com/office/drawing/2014/main" val="888488564"/>
                     </a:ext>
                   </a:extLst>
                 </a:gridCol>
-                <a:gridCol w="2139359">
+                <a:gridCol w="2599559">
                   <a:extLst>
                     <a:ext uri="{9D8B030D-6E8A-4147-A177-3AD203B41FA5}">
                       <a16:colId xmlns:a16="http://schemas.microsoft.com/office/drawing/2014/main" val="2367584690"/>
                     </a:ext>
                   </a:extLst>
                 </a:gridCol>
-                <a:gridCol w="2139359">
-                  <a:extLst>
-                    <a:ext uri="{9D8B030D-6E8A-4147-A177-3AD203B41FA5}">
-                      <a16:colId xmlns:a16="http://schemas.microsoft.com/office/drawing/2014/main" val="1014623433"/>
-                    </a:ext>
-                  </a:extLst>
-                </a:gridCol>
               </a:tblGrid>
               <a:tr h="710133">
                 <a:tc>
@@ -5289,7 +5388,7 @@
                   </a:txBody>
                   <a:tcPr/>
                 </a:tc>
-                <a:tc gridSpan="2">
+                <a:tc>
                   <a:txBody>
                     <a:bodyPr/>
                     <a:lstStyle/>
@@ -5311,26 +5410,6 @@
                         </a:rPr>
                         <a:t>Delete or use columns depending on design</a:t>
                       </a:r>
-                    </a:p>
-                  </a:txBody>
-                  <a:tcPr marL="68580" marR="68580" marT="0" marB="0" anchor="ctr"/>
-                </a:tc>
-                <a:tc hMerge="1">
-                  <a:txBody>
-                    <a:bodyPr/>
-                    <a:lstStyle/>
-                    <a:p>
-                      <a:pPr algn="ctr">
-                        <a:spcAft>
-                          <a:spcPts val="600"/>
-                        </a:spcAft>
-                      </a:pPr>
-                      <a:endParaRPr lang="en-GB" sz="1800" dirty="0">
-                        <a:effectLst/>
-                        <a:latin typeface="Times New Roman" panose="02020603050405020304" pitchFamily="18" charset="0"/>
-                        <a:ea typeface="Times New Roman" panose="02020603050405020304" pitchFamily="18" charset="0"/>
-                        <a:cs typeface="Times New Roman" panose="02020603050405020304" pitchFamily="18" charset="0"/>
-                      </a:endParaRPr>
                     </a:p>
                   </a:txBody>
                   <a:tcPr marL="68580" marR="68580" marT="0" marB="0" anchor="ctr"/>
@@ -5437,30 +5516,7 @@
                           <a:ea typeface="Times New Roman" panose="02020603050405020304" pitchFamily="18" charset="0"/>
                           <a:cs typeface="Times New Roman" panose="02020603050405020304" pitchFamily="18" charset="0"/>
                         </a:rPr>
-                        <a:t>F/U   / C  / A2</a:t>
-                      </a:r>
-                    </a:p>
-                  </a:txBody>
-                  <a:tcPr marL="68580" marR="68580" marT="0" marB="0" anchor="ctr"/>
-                </a:tc>
-                <a:tc>
-                  <a:txBody>
-                    <a:bodyPr/>
-                    <a:lstStyle/>
-                    <a:p>
-                      <a:pPr algn="ctr">
-                        <a:spcAft>
-                          <a:spcPts val="600"/>
-                        </a:spcAft>
-                      </a:pPr>
-                      <a:r>
-                        <a:rPr lang="en-GB" sz="1800" b="1" dirty="0">
-                          <a:effectLst/>
-                          <a:latin typeface="+mn-lt"/>
-                          <a:ea typeface="Times New Roman" panose="02020603050405020304" pitchFamily="18" charset="0"/>
-                          <a:cs typeface="Times New Roman" panose="02020603050405020304" pitchFamily="18" charset="0"/>
-                        </a:rPr>
-                        <a:t>B2</a:t>
+                        <a:t>Follow-up (F/U)</a:t>
                       </a:r>
                     </a:p>
                   </a:txBody>
@@ -5536,12 +5592,12 @@
                         </a:spcAft>
                       </a:pPr>
                       <a:r>
-                        <a:rPr lang="en-GB" sz="1200">
+                        <a:rPr lang="en-GB" sz="1200" dirty="0">
                           <a:effectLst/>
                         </a:rPr>
                         <a:t> </a:t>
                       </a:r>
-                      <a:endParaRPr lang="en-GB" sz="1200">
+                      <a:endParaRPr lang="en-GB" sz="1200" dirty="0">
                         <a:effectLst/>
                         <a:latin typeface="Times New Roman" panose="02020603050405020304" pitchFamily="18" charset="0"/>
                         <a:ea typeface="Times New Roman" panose="02020603050405020304" pitchFamily="18" charset="0"/>
@@ -5562,26 +5618,6 @@
                         </a:spcAft>
                       </a:pPr>
                       <a:endParaRPr lang="en-GB" sz="1200" dirty="0">
-                        <a:effectLst/>
-                        <a:latin typeface="Times New Roman" panose="02020603050405020304" pitchFamily="18" charset="0"/>
-                        <a:ea typeface="Times New Roman" panose="02020603050405020304" pitchFamily="18" charset="0"/>
-                        <a:cs typeface="Times New Roman" panose="02020603050405020304" pitchFamily="18" charset="0"/>
-                      </a:endParaRPr>
-                    </a:p>
-                  </a:txBody>
-                  <a:tcPr marL="68580" marR="68580" marT="0" marB="0"/>
-                </a:tc>
-                <a:tc>
-                  <a:txBody>
-                    <a:bodyPr/>
-                    <a:lstStyle/>
-                    <a:p>
-                      <a:pPr algn="ctr">
-                        <a:spcAft>
-                          <a:spcPts val="600"/>
-                        </a:spcAft>
-                      </a:pPr>
-                      <a:endParaRPr lang="en-GB" sz="1200">
                         <a:effectLst/>
                         <a:latin typeface="Times New Roman" panose="02020603050405020304" pitchFamily="18" charset="0"/>
                         <a:ea typeface="Times New Roman" panose="02020603050405020304" pitchFamily="18" charset="0"/>
@@ -5661,32 +5697,12 @@
                         </a:spcAft>
                       </a:pPr>
                       <a:r>
-                        <a:rPr lang="en-GB" sz="1200">
+                        <a:rPr lang="en-GB" sz="1200" dirty="0">
                           <a:effectLst/>
                         </a:rPr>
                         <a:t> </a:t>
                       </a:r>
-                      <a:endParaRPr lang="en-GB" sz="1200">
-                        <a:effectLst/>
-                        <a:latin typeface="Times New Roman" panose="02020603050405020304" pitchFamily="18" charset="0"/>
-                        <a:ea typeface="Times New Roman" panose="02020603050405020304" pitchFamily="18" charset="0"/>
-                        <a:cs typeface="Times New Roman" panose="02020603050405020304" pitchFamily="18" charset="0"/>
-                      </a:endParaRPr>
-                    </a:p>
-                  </a:txBody>
-                  <a:tcPr marL="68580" marR="68580" marT="0" marB="0"/>
-                </a:tc>
-                <a:tc>
-                  <a:txBody>
-                    <a:bodyPr/>
-                    <a:lstStyle/>
-                    <a:p>
-                      <a:pPr algn="ctr">
-                        <a:spcAft>
-                          <a:spcPts val="600"/>
-                        </a:spcAft>
-                      </a:pPr>
-                      <a:endParaRPr lang="en-GB" sz="1200">
+                      <a:endParaRPr lang="en-GB" sz="1200" dirty="0">
                         <a:effectLst/>
                         <a:latin typeface="Times New Roman" panose="02020603050405020304" pitchFamily="18" charset="0"/>
                         <a:ea typeface="Times New Roman" panose="02020603050405020304" pitchFamily="18" charset="0"/>
@@ -5786,12 +5802,12 @@
                         </a:spcAft>
                       </a:pPr>
                       <a:r>
-                        <a:rPr lang="en-GB" sz="1200">
+                        <a:rPr lang="en-GB" sz="1200" dirty="0">
                           <a:effectLst/>
                         </a:rPr>
                         <a:t> </a:t>
                       </a:r>
-                      <a:endParaRPr lang="en-GB" sz="1200">
+                      <a:endParaRPr lang="en-GB" sz="1200" dirty="0">
                         <a:effectLst/>
                         <a:latin typeface="Times New Roman" panose="02020603050405020304" pitchFamily="18" charset="0"/>
                         <a:ea typeface="Times New Roman" panose="02020603050405020304" pitchFamily="18" charset="0"/>
@@ -5811,27 +5827,7 @@
                           <a:spcPts val="600"/>
                         </a:spcAft>
                       </a:pPr>
-                      <a:endParaRPr lang="en-GB" sz="1200">
-                        <a:effectLst/>
-                        <a:latin typeface="Times New Roman" panose="02020603050405020304" pitchFamily="18" charset="0"/>
-                        <a:ea typeface="Times New Roman" panose="02020603050405020304" pitchFamily="18" charset="0"/>
-                        <a:cs typeface="Times New Roman" panose="02020603050405020304" pitchFamily="18" charset="0"/>
-                      </a:endParaRPr>
-                    </a:p>
-                  </a:txBody>
-                  <a:tcPr marL="68580" marR="68580" marT="0" marB="0"/>
-                </a:tc>
-                <a:tc>
-                  <a:txBody>
-                    <a:bodyPr/>
-                    <a:lstStyle/>
-                    <a:p>
-                      <a:pPr algn="ctr">
-                        <a:spcAft>
-                          <a:spcPts val="600"/>
-                        </a:spcAft>
-                      </a:pPr>
-                      <a:endParaRPr lang="en-GB" sz="1200">
+                      <a:endParaRPr lang="en-GB" sz="1200" dirty="0">
                         <a:effectLst/>
                         <a:latin typeface="Times New Roman" panose="02020603050405020304" pitchFamily="18" charset="0"/>
                         <a:ea typeface="Times New Roman" panose="02020603050405020304" pitchFamily="18" charset="0"/>
@@ -5916,26 +5912,6 @@
                         </a:rPr>
                         <a:t> </a:t>
                       </a:r>
-                      <a:endParaRPr lang="en-GB" sz="1200" dirty="0">
-                        <a:effectLst/>
-                        <a:latin typeface="Times New Roman" panose="02020603050405020304" pitchFamily="18" charset="0"/>
-                        <a:ea typeface="Times New Roman" panose="02020603050405020304" pitchFamily="18" charset="0"/>
-                        <a:cs typeface="Times New Roman" panose="02020603050405020304" pitchFamily="18" charset="0"/>
-                      </a:endParaRPr>
-                    </a:p>
-                  </a:txBody>
-                  <a:tcPr marL="68580" marR="68580" marT="0" marB="0"/>
-                </a:tc>
-                <a:tc>
-                  <a:txBody>
-                    <a:bodyPr/>
-                    <a:lstStyle/>
-                    <a:p>
-                      <a:pPr algn="ctr">
-                        <a:spcAft>
-                          <a:spcPts val="600"/>
-                        </a:spcAft>
-                      </a:pPr>
                       <a:endParaRPr lang="en-GB" sz="1200" dirty="0">
                         <a:effectLst/>
                         <a:latin typeface="Times New Roman" panose="02020603050405020304" pitchFamily="18" charset="0"/>
@@ -6065,14 +6041,14 @@
           <p:nvPr>
             <p:extLst>
               <p:ext uri="{D42A27DB-BD31-4B8C-83A1-F6EECF244321}">
-                <p14:modId xmlns:p14="http://schemas.microsoft.com/office/powerpoint/2010/main" val="2576004801"/>
+                <p14:modId xmlns:p14="http://schemas.microsoft.com/office/powerpoint/2010/main" val="1300134628"/>
               </p:ext>
             </p:extLst>
           </p:nvPr>
         </p:nvGraphicFramePr>
         <p:xfrm>
           <a:off x="409903" y="2061499"/>
-          <a:ext cx="11319644" cy="3753702"/>
+          <a:ext cx="11256582" cy="3857089"/>
         </p:xfrm>
         <a:graphic>
           <a:graphicData uri="http://schemas.openxmlformats.org/drawingml/2006/table">
@@ -6088,70 +6064,63 @@
                     </a:ext>
                   </a:extLst>
                 </a:gridCol>
-                <a:gridCol w="968007">
+                <a:gridCol w="1119352">
                   <a:extLst>
                     <a:ext uri="{9D8B030D-6E8A-4147-A177-3AD203B41FA5}">
                       <a16:colId xmlns:a16="http://schemas.microsoft.com/office/drawing/2014/main" val="3572621098"/>
                     </a:ext>
                   </a:extLst>
                 </a:gridCol>
-                <a:gridCol w="1131086">
+                <a:gridCol w="1119352">
                   <a:extLst>
                     <a:ext uri="{9D8B030D-6E8A-4147-A177-3AD203B41FA5}">
                       <a16:colId xmlns:a16="http://schemas.microsoft.com/office/drawing/2014/main" val="2137307711"/>
                     </a:ext>
                   </a:extLst>
                 </a:gridCol>
-                <a:gridCol w="1018537">
+                <a:gridCol w="1119352">
                   <a:extLst>
                     <a:ext uri="{9D8B030D-6E8A-4147-A177-3AD203B41FA5}">
                       <a16:colId xmlns:a16="http://schemas.microsoft.com/office/drawing/2014/main" val="1648767274"/>
                     </a:ext>
                   </a:extLst>
                 </a:gridCol>
-                <a:gridCol w="1280950">
-                  <a:extLst>
-                    <a:ext uri="{9D8B030D-6E8A-4147-A177-3AD203B41FA5}">
-                      <a16:colId xmlns:a16="http://schemas.microsoft.com/office/drawing/2014/main" val="7830354"/>
-                    </a:ext>
-                  </a:extLst>
-                </a:gridCol>
-                <a:gridCol w="1008993">
+                <a:gridCol w="1119352">
                   <a:extLst>
                     <a:ext uri="{9D8B030D-6E8A-4147-A177-3AD203B41FA5}">
                       <a16:colId xmlns:a16="http://schemas.microsoft.com/office/drawing/2014/main" val="3652859720"/>
                     </a:ext>
                   </a:extLst>
                 </a:gridCol>
-                <a:gridCol w="991564">
+                <a:gridCol w="1119352">
                   <a:extLst>
                     <a:ext uri="{9D8B030D-6E8A-4147-A177-3AD203B41FA5}">
                       <a16:colId xmlns:a16="http://schemas.microsoft.com/office/drawing/2014/main" val="2682951905"/>
                     </a:ext>
                   </a:extLst>
                 </a:gridCol>
-                <a:gridCol w="791840">
+                <a:gridCol w="1119352">
                   <a:extLst>
                     <a:ext uri="{9D8B030D-6E8A-4147-A177-3AD203B41FA5}">
                       <a16:colId xmlns:a16="http://schemas.microsoft.com/office/drawing/2014/main" val="668786364"/>
                     </a:ext>
                   </a:extLst>
                 </a:gridCol>
-                <a:gridCol w="1018537">
+                <a:gridCol w="1119352">
                   <a:extLst>
                     <a:ext uri="{9D8B030D-6E8A-4147-A177-3AD203B41FA5}">
                       <a16:colId xmlns:a16="http://schemas.microsoft.com/office/drawing/2014/main" val="1989588125"/>
                     </a:ext>
                   </a:extLst>
                 </a:gridCol>
-                <a:gridCol w="909978">
+                <a:gridCol w="1119352">
                   <a:extLst>
                     <a:ext uri="{9D8B030D-6E8A-4147-A177-3AD203B41FA5}">
                       <a16:colId xmlns:a16="http://schemas.microsoft.com/office/drawing/2014/main" val="877199107"/>
                     </a:ext>
                   </a:extLst>
                 </a:gridCol>
-                <a:gridCol w="1017738">
+                <a:gridCol w="1119352">
                   <a:extLst>
                     <a:ext uri="{9D8B030D-6E8A-4147-A177-3AD203B41FA5}">
                       <a16:colId xmlns:a16="http://schemas.microsoft.com/office/drawing/2014/main" val="839668329"/>
@@ -6186,7 +6155,7 @@
                   </a:txBody>
                   <a:tcPr marL="68580" marR="68580" marT="0" marB="0"/>
                 </a:tc>
-                <a:tc gridSpan="4">
+                <a:tc gridSpan="3">
                   <a:txBody>
                     <a:bodyPr/>
                     <a:lstStyle/>
@@ -6200,7 +6169,7 @@
                         <a:rPr lang="en-GB" sz="1600" dirty="0">
                           <a:effectLst/>
                         </a:rPr>
-                        <a:t>Outcomes</a:t>
+                        <a:t>Outcome Scores</a:t>
                       </a:r>
                     </a:p>
                     <a:p>
@@ -6270,16 +6239,6 @@
                   </a:txBody>
                   <a:tcPr/>
                 </a:tc>
-                <a:tc hMerge="1">
-                  <a:txBody>
-                    <a:bodyPr/>
-                    <a:lstStyle/>
-                    <a:p>
-                      <a:endParaRPr lang="en-GB"/>
-                    </a:p>
-                  </a:txBody>
-                  <a:tcPr/>
-                </a:tc>
                 <a:tc gridSpan="2">
                   <a:txBody>
                     <a:bodyPr/>
@@ -6291,7 +6250,7 @@
                         </a:spcAft>
                       </a:pPr>
                       <a:r>
-                        <a:rPr lang="en-GB" sz="1600">
+                        <a:rPr lang="en-GB" sz="1600" dirty="0">
                           <a:effectLst/>
                         </a:rPr>
                         <a:t>Norms </a:t>
@@ -6304,12 +6263,12 @@
                         </a:spcAft>
                       </a:pPr>
                       <a:r>
-                        <a:rPr lang="en-GB" sz="1600">
+                        <a:rPr lang="en-GB" sz="1600" dirty="0">
                           <a:effectLst/>
                         </a:rPr>
                         <a:t>Mean (SD)</a:t>
                       </a:r>
-                      <a:endParaRPr lang="en-GB" sz="1600">
+                      <a:endParaRPr lang="en-GB" sz="1600" dirty="0">
                         <a:effectLst/>
                         <a:latin typeface="Calibri" panose="020F0502020204030204" pitchFamily="34" charset="0"/>
                         <a:ea typeface="Calibri" panose="020F0502020204030204" pitchFamily="34" charset="0"/>
@@ -6513,20 +6472,69 @@
                     <a:bodyPr/>
                     <a:lstStyle/>
                     <a:p>
+                      <a:pPr algn="ctr">
+                        <a:spcAft>
+                          <a:spcPts val="600"/>
+                        </a:spcAft>
+                      </a:pPr>
+                      <a:r>
+                        <a:rPr lang="en-GB" sz="1400" b="1" dirty="0">
+                          <a:effectLst/>
+                        </a:rPr>
+                        <a:t>Follow Up</a:t>
+                      </a:r>
+                    </a:p>
+                    <a:p>
+                      <a:pPr algn="ctr">
+                        <a:spcAft>
+                          <a:spcPts val="600"/>
+                        </a:spcAft>
+                      </a:pPr>
+                      <a:r>
+                        <a:rPr lang="en-GB" sz="1400" b="1" dirty="0">
+                          <a:effectLst/>
+                        </a:rPr>
+                        <a:t>(F/U)</a:t>
+                      </a:r>
+                    </a:p>
+                    <a:p>
                       <a:pPr>
                         <a:spcAft>
                           <a:spcPts val="600"/>
                         </a:spcAft>
                       </a:pPr>
+                      <a:endParaRPr lang="en-GB" sz="1400" b="1" dirty="0">
+                        <a:effectLst/>
+                        <a:latin typeface="Calibri" panose="020F0502020204030204" pitchFamily="34" charset="0"/>
+                        <a:ea typeface="Calibri" panose="020F0502020204030204" pitchFamily="34" charset="0"/>
+                        <a:cs typeface="Times New Roman" panose="02020603050405020304" pitchFamily="18" charset="0"/>
+                      </a:endParaRPr>
+                    </a:p>
+                  </a:txBody>
+                  <a:tcPr marL="68580" marR="68580" marT="0" marB="0"/>
+                </a:tc>
+                <a:tc>
+                  <a:txBody>
+                    <a:bodyPr/>
+                    <a:lstStyle/>
+                    <a:p>
+                      <a:pPr algn="ctr">
+                        <a:spcAft>
+                          <a:spcPts val="600"/>
+                        </a:spcAft>
+                      </a:pPr>
                       <a:r>
                         <a:rPr lang="en-GB" sz="1400" b="1" dirty="0">
                           <a:effectLst/>
-                          <a:latin typeface="Calibri" panose="020F0502020204030204" pitchFamily="34" charset="0"/>
-                          <a:ea typeface="Calibri" panose="020F0502020204030204" pitchFamily="34" charset="0"/>
-                          <a:cs typeface="Times New Roman" panose="02020603050405020304" pitchFamily="18" charset="0"/>
-                        </a:rPr>
-                        <a:t>Post- withdrawal (A2) / Post- intervention (C)</a:t>
-                      </a:r>
+                        </a:rPr>
+                        <a:t>Community/ non-clinical</a:t>
+                      </a:r>
+                      <a:endParaRPr lang="en-GB" sz="1400" b="1" dirty="0">
+                        <a:effectLst/>
+                        <a:latin typeface="Calibri" panose="020F0502020204030204" pitchFamily="34" charset="0"/>
+                        <a:ea typeface="Calibri" panose="020F0502020204030204" pitchFamily="34" charset="0"/>
+                        <a:cs typeface="Times New Roman" panose="02020603050405020304" pitchFamily="18" charset="0"/>
+                      </a:endParaRPr>
                     </a:p>
                   </a:txBody>
                   <a:tcPr marL="68580" marR="68580" marT="0" marB="0"/>
@@ -6545,99 +6553,9 @@
                         <a:rPr lang="en-GB" sz="1400" b="1" dirty="0">
                           <a:effectLst/>
                         </a:rPr>
-                        <a:t>Follow Up</a:t>
-                      </a:r>
-                    </a:p>
-                    <a:p>
-                      <a:pPr algn="ctr">
-                        <a:spcAft>
-                          <a:spcPts val="600"/>
-                        </a:spcAft>
-                      </a:pPr>
-                      <a:r>
-                        <a:rPr lang="en-GB" sz="1400" b="1" dirty="0">
-                          <a:effectLst/>
-                        </a:rPr>
-                        <a:t>/ Post-2</a:t>
-                      </a:r>
-                      <a:r>
-                        <a:rPr lang="en-GB" sz="1400" b="1" baseline="30000" dirty="0">
-                          <a:effectLst/>
-                        </a:rPr>
-                        <a:t>nd</a:t>
-                      </a:r>
-                      <a:r>
-                        <a:rPr lang="en-GB" sz="1400" b="1" dirty="0">
-                          <a:effectLst/>
-                        </a:rPr>
-                        <a:t> intervention (B2) </a:t>
-                      </a:r>
-                    </a:p>
-                    <a:p>
-                      <a:pPr algn="ctr">
-                        <a:spcAft>
-                          <a:spcPts val="600"/>
-                        </a:spcAft>
-                      </a:pPr>
-                      <a:r>
-                        <a:rPr lang="en-GB" sz="1400" b="1" dirty="0">
-                          <a:effectLst/>
-                        </a:rPr>
-                        <a:t> </a:t>
+                        <a:t>Clinical</a:t>
                       </a:r>
                       <a:endParaRPr lang="en-GB" sz="1400" b="1" dirty="0">
-                        <a:effectLst/>
-                        <a:latin typeface="Calibri" panose="020F0502020204030204" pitchFamily="34" charset="0"/>
-                        <a:ea typeface="Calibri" panose="020F0502020204030204" pitchFamily="34" charset="0"/>
-                        <a:cs typeface="Times New Roman" panose="02020603050405020304" pitchFamily="18" charset="0"/>
-                      </a:endParaRPr>
-                    </a:p>
-                  </a:txBody>
-                  <a:tcPr marL="68580" marR="68580" marT="0" marB="0"/>
-                </a:tc>
-                <a:tc>
-                  <a:txBody>
-                    <a:bodyPr/>
-                    <a:lstStyle/>
-                    <a:p>
-                      <a:pPr algn="ctr">
-                        <a:spcAft>
-                          <a:spcPts val="600"/>
-                        </a:spcAft>
-                      </a:pPr>
-                      <a:r>
-                        <a:rPr lang="en-GB" sz="1400" b="1" dirty="0">
-                          <a:effectLst/>
-                        </a:rPr>
-                        <a:t>Community/ non-clinical</a:t>
-                      </a:r>
-                      <a:endParaRPr lang="en-GB" sz="1400" b="1" dirty="0">
-                        <a:effectLst/>
-                        <a:latin typeface="Calibri" panose="020F0502020204030204" pitchFamily="34" charset="0"/>
-                        <a:ea typeface="Calibri" panose="020F0502020204030204" pitchFamily="34" charset="0"/>
-                        <a:cs typeface="Times New Roman" panose="02020603050405020304" pitchFamily="18" charset="0"/>
-                      </a:endParaRPr>
-                    </a:p>
-                  </a:txBody>
-                  <a:tcPr marL="68580" marR="68580" marT="0" marB="0"/>
-                </a:tc>
-                <a:tc>
-                  <a:txBody>
-                    <a:bodyPr/>
-                    <a:lstStyle/>
-                    <a:p>
-                      <a:pPr algn="ctr">
-                        <a:spcAft>
-                          <a:spcPts val="600"/>
-                        </a:spcAft>
-                      </a:pPr>
-                      <a:r>
-                        <a:rPr lang="en-GB" sz="1400" b="1">
-                          <a:effectLst/>
-                        </a:rPr>
-                        <a:t>Clinical</a:t>
-                      </a:r>
-                      <a:endParaRPr lang="en-GB" sz="1400" b="1">
                         <a:effectLst/>
                         <a:latin typeface="Calibri" panose="020F0502020204030204" pitchFamily="34" charset="0"/>
                         <a:ea typeface="Calibri" panose="020F0502020204030204" pitchFamily="34" charset="0"/>
@@ -6848,7 +6766,7 @@
                     <a:lstStyle/>
                     <a:p>
                       <a:pPr algn="ctr"/>
-                      <a:endParaRPr lang="en-GB" sz="1600">
+                      <a:endParaRPr lang="en-GB" sz="1600" dirty="0">
                         <a:effectLst/>
                         <a:latin typeface="Calibri" panose="020F0502020204030204" pitchFamily="34" charset="0"/>
                         <a:ea typeface="Calibri" panose="020F0502020204030204" pitchFamily="34" charset="0"/>
@@ -6880,7 +6798,7 @@
                     <a:lstStyle/>
                     <a:p>
                       <a:pPr algn="ctr"/>
-                      <a:endParaRPr lang="en-GB" sz="1600">
+                      <a:endParaRPr lang="en-GB" sz="1600" dirty="0">
                         <a:effectLst/>
                         <a:latin typeface="Calibri" panose="020F0502020204030204" pitchFamily="34" charset="0"/>
                         <a:ea typeface="Calibri" panose="020F0502020204030204" pitchFamily="34" charset="0"/>
@@ -6896,23 +6814,7 @@
                     <a:lstStyle/>
                     <a:p>
                       <a:pPr algn="ctr"/>
-                      <a:endParaRPr lang="en-GB" sz="1600">
-                        <a:effectLst/>
-                        <a:latin typeface="Calibri" panose="020F0502020204030204" pitchFamily="34" charset="0"/>
-                        <a:ea typeface="Calibri" panose="020F0502020204030204" pitchFamily="34" charset="0"/>
-                        <a:cs typeface="Times New Roman" panose="02020603050405020304" pitchFamily="18" charset="0"/>
-                      </a:endParaRPr>
-                    </a:p>
-                  </a:txBody>
-                  <a:tcPr marL="68580" marR="68580" marT="0" marB="0"/>
-                </a:tc>
-                <a:tc>
-                  <a:txBody>
-                    <a:bodyPr/>
-                    <a:lstStyle/>
-                    <a:p>
-                      <a:pPr algn="ctr"/>
-                      <a:endParaRPr lang="en-GB" sz="1600">
+                      <a:endParaRPr lang="en-GB" sz="1600" dirty="0">
                         <a:effectLst/>
                         <a:latin typeface="Calibri" panose="020F0502020204030204" pitchFamily="34" charset="0"/>
                         <a:ea typeface="Calibri" panose="020F0502020204030204" pitchFamily="34" charset="0"/>
@@ -7035,6 +6937,54 @@
                     <a:lstStyle/>
                     <a:p>
                       <a:pPr algn="ctr"/>
+                      <a:endParaRPr lang="en-GB" sz="1600" dirty="0">
+                        <a:effectLst/>
+                        <a:latin typeface="Calibri" panose="020F0502020204030204" pitchFamily="34" charset="0"/>
+                        <a:ea typeface="Calibri" panose="020F0502020204030204" pitchFamily="34" charset="0"/>
+                        <a:cs typeface="Times New Roman" panose="02020603050405020304" pitchFamily="18" charset="0"/>
+                      </a:endParaRPr>
+                    </a:p>
+                  </a:txBody>
+                  <a:tcPr marL="68580" marR="68580" marT="0" marB="0"/>
+                </a:tc>
+                <a:tc>
+                  <a:txBody>
+                    <a:bodyPr/>
+                    <a:lstStyle/>
+                    <a:p>
+                      <a:pPr algn="ctr"/>
+                      <a:endParaRPr lang="en-GB" sz="1600">
+                        <a:effectLst/>
+                        <a:latin typeface="Calibri" panose="020F0502020204030204" pitchFamily="34" charset="0"/>
+                        <a:ea typeface="Calibri" panose="020F0502020204030204" pitchFamily="34" charset="0"/>
+                        <a:cs typeface="Times New Roman" panose="02020603050405020304" pitchFamily="18" charset="0"/>
+                      </a:endParaRPr>
+                    </a:p>
+                  </a:txBody>
+                  <a:tcPr marL="68580" marR="68580" marT="0" marB="0"/>
+                </a:tc>
+                <a:tc>
+                  <a:txBody>
+                    <a:bodyPr/>
+                    <a:lstStyle/>
+                    <a:p>
+                      <a:pPr algn="ctr"/>
+                      <a:endParaRPr lang="en-GB" sz="1600">
+                        <a:effectLst/>
+                        <a:latin typeface="Calibri" panose="020F0502020204030204" pitchFamily="34" charset="0"/>
+                        <a:ea typeface="Calibri" panose="020F0502020204030204" pitchFamily="34" charset="0"/>
+                        <a:cs typeface="Times New Roman" panose="02020603050405020304" pitchFamily="18" charset="0"/>
+                      </a:endParaRPr>
+                    </a:p>
+                  </a:txBody>
+                  <a:tcPr marL="68580" marR="68580" marT="0" marB="0"/>
+                </a:tc>
+                <a:tc>
+                  <a:txBody>
+                    <a:bodyPr/>
+                    <a:lstStyle/>
+                    <a:p>
+                      <a:pPr algn="ctr"/>
                       <a:endParaRPr lang="en-GB" sz="1600">
                         <a:effectLst/>
                         <a:latin typeface="Calibri" panose="020F0502020204030204" pitchFamily="34" charset="0"/>
@@ -7052,70 +7002,6 @@
                     <a:p>
                       <a:pPr algn="ctr"/>
                       <a:endParaRPr lang="en-GB" sz="1600" dirty="0">
-                        <a:effectLst/>
-                        <a:latin typeface="Calibri" panose="020F0502020204030204" pitchFamily="34" charset="0"/>
-                        <a:ea typeface="Calibri" panose="020F0502020204030204" pitchFamily="34" charset="0"/>
-                        <a:cs typeface="Times New Roman" panose="02020603050405020304" pitchFamily="18" charset="0"/>
-                      </a:endParaRPr>
-                    </a:p>
-                  </a:txBody>
-                  <a:tcPr marL="68580" marR="68580" marT="0" marB="0"/>
-                </a:tc>
-                <a:tc>
-                  <a:txBody>
-                    <a:bodyPr/>
-                    <a:lstStyle/>
-                    <a:p>
-                      <a:pPr algn="ctr"/>
-                      <a:endParaRPr lang="en-GB" sz="1600">
-                        <a:effectLst/>
-                        <a:latin typeface="Calibri" panose="020F0502020204030204" pitchFamily="34" charset="0"/>
-                        <a:ea typeface="Calibri" panose="020F0502020204030204" pitchFamily="34" charset="0"/>
-                        <a:cs typeface="Times New Roman" panose="02020603050405020304" pitchFamily="18" charset="0"/>
-                      </a:endParaRPr>
-                    </a:p>
-                  </a:txBody>
-                  <a:tcPr marL="68580" marR="68580" marT="0" marB="0"/>
-                </a:tc>
-                <a:tc>
-                  <a:txBody>
-                    <a:bodyPr/>
-                    <a:lstStyle/>
-                    <a:p>
-                      <a:pPr algn="ctr"/>
-                      <a:endParaRPr lang="en-GB" sz="1600">
-                        <a:effectLst/>
-                        <a:latin typeface="Calibri" panose="020F0502020204030204" pitchFamily="34" charset="0"/>
-                        <a:ea typeface="Calibri" panose="020F0502020204030204" pitchFamily="34" charset="0"/>
-                        <a:cs typeface="Times New Roman" panose="02020603050405020304" pitchFamily="18" charset="0"/>
-                      </a:endParaRPr>
-                    </a:p>
-                  </a:txBody>
-                  <a:tcPr marL="68580" marR="68580" marT="0" marB="0"/>
-                </a:tc>
-                <a:tc>
-                  <a:txBody>
-                    <a:bodyPr/>
-                    <a:lstStyle/>
-                    <a:p>
-                      <a:pPr algn="ctr"/>
-                      <a:endParaRPr lang="en-GB" sz="1600">
-                        <a:effectLst/>
-                        <a:latin typeface="Calibri" panose="020F0502020204030204" pitchFamily="34" charset="0"/>
-                        <a:ea typeface="Calibri" panose="020F0502020204030204" pitchFamily="34" charset="0"/>
-                        <a:cs typeface="Times New Roman" panose="02020603050405020304" pitchFamily="18" charset="0"/>
-                      </a:endParaRPr>
-                    </a:p>
-                  </a:txBody>
-                  <a:tcPr marL="68580" marR="68580" marT="0" marB="0"/>
-                </a:tc>
-                <a:tc>
-                  <a:txBody>
-                    <a:bodyPr/>
-                    <a:lstStyle/>
-                    <a:p>
-                      <a:pPr algn="ctr"/>
-                      <a:endParaRPr lang="en-GB" sz="1600">
                         <a:effectLst/>
                         <a:latin typeface="Calibri" panose="020F0502020204030204" pitchFamily="34" charset="0"/>
                         <a:ea typeface="Calibri" panose="020F0502020204030204" pitchFamily="34" charset="0"/>
@@ -7143,22 +7029,6 @@
                         </a:spcAft>
                       </a:pPr>
                       <a:endParaRPr lang="en-GB" sz="1600" dirty="0">
-                        <a:effectLst/>
-                        <a:latin typeface="Calibri" panose="020F0502020204030204" pitchFamily="34" charset="0"/>
-                        <a:ea typeface="Calibri" panose="020F0502020204030204" pitchFamily="34" charset="0"/>
-                        <a:cs typeface="Times New Roman" panose="02020603050405020304" pitchFamily="18" charset="0"/>
-                      </a:endParaRPr>
-                    </a:p>
-                  </a:txBody>
-                  <a:tcPr marL="68580" marR="68580" marT="0" marB="0"/>
-                </a:tc>
-                <a:tc>
-                  <a:txBody>
-                    <a:bodyPr/>
-                    <a:lstStyle/>
-                    <a:p>
-                      <a:pPr algn="ctr"/>
-                      <a:endParaRPr lang="en-GB" sz="1600">
                         <a:effectLst/>
                         <a:latin typeface="Calibri" panose="020F0502020204030204" pitchFamily="34" charset="0"/>
                         <a:ea typeface="Calibri" panose="020F0502020204030204" pitchFamily="34" charset="0"/>
